--- a/apresentacoes/Aula7/Etapa3/Etapa3.pptx
+++ b/apresentacoes/Aula7/Etapa3/Etapa3.pptx
@@ -30,14 +30,14 @@
       <p:boldItalic r:id="rId16"/>
     </p:embeddedFont>
     <p:embeddedFont>
-      <p:font typeface="Century Gothic" panose="020B0502020202020204" pitchFamily="34" charset="0"/>
+      <p:font typeface="Proxima Nova" panose="020B0604020202020204" charset="0"/>
       <p:regular r:id="rId17"/>
       <p:bold r:id="rId18"/>
       <p:italic r:id="rId19"/>
       <p:boldItalic r:id="rId20"/>
     </p:embeddedFont>
     <p:embeddedFont>
-      <p:font typeface="Proxima Nova" panose="020B0604020202020204" charset="0"/>
+      <p:font typeface="Century Gothic" panose="020B0502020202020204" pitchFamily="34" charset="0"/>
       <p:regular r:id="rId21"/>
       <p:bold r:id="rId22"/>
       <p:italic r:id="rId23"/>
@@ -289,7 +289,7 @@
       </p15:sldGuideLst>
     </p:ext>
     <p:ext uri="http://customooxmlschemas.google.com/">
-      <go:slidesCustomData xmlns:go="http://customooxmlschemas.google.com/" xmlns:ahyp="http://schemas.microsoft.com/office/drawing/2018/hyperlinkcolor" xmlns:p15="http://schemas.microsoft.com/office/powerpoint/2012/main" xmlns:p14="http://schemas.microsoft.com/office/powerpoint/2010/main" xmlns:com="http://schemas.openxmlformats.org/drawingml/2006/compatibility" xmlns:pvml="urn:schemas-microsoft-com:office:powerpoint" xmlns:v="urn:schemas-microsoft-com:vml" xmlns:o="urn:schemas-microsoft-com:office:office" xmlns:dgm="http://schemas.openxmlformats.org/drawingml/2006/diagram" xmlns:c="http://schemas.openxmlformats.org/drawingml/2006/chart" xmlns:mv="urn:schemas-microsoft-com:mac:vml" xmlns:mc="http://schemas.openxmlformats.org/markup-compatibility/2006" xmlns="" r:id="rId34" roundtripDataSignature="AMtx7mij1fsZUe5V3lBG5qQcqOvrI5UhJw=="/>
+      <go:slidesCustomData xmlns="" xmlns:mc="http://schemas.openxmlformats.org/markup-compatibility/2006" xmlns:mv="urn:schemas-microsoft-com:mac:vml" xmlns:c="http://schemas.openxmlformats.org/drawingml/2006/chart" xmlns:dgm="http://schemas.openxmlformats.org/drawingml/2006/diagram" xmlns:o="urn:schemas-microsoft-com:office:office" xmlns:v="urn:schemas-microsoft-com:vml" xmlns:pvml="urn:schemas-microsoft-com:office:powerpoint" xmlns:com="http://schemas.openxmlformats.org/drawingml/2006/compatibility" xmlns:p14="http://schemas.microsoft.com/office/powerpoint/2010/main" xmlns:p15="http://schemas.microsoft.com/office/powerpoint/2012/main" xmlns:ahyp="http://schemas.microsoft.com/office/drawing/2018/hyperlinkcolor" xmlns:go="http://customooxmlschemas.google.com/" r:id="rId34" roundtripDataSignature="AMtx7mij1fsZUe5V3lBG5qQcqOvrI5UhJw=="/>
     </p:ext>
   </p:extLst>
 </p:presentation>
@@ -640,6 +640,11 @@
         </p:txBody>
       </p:sp>
     </p:spTree>
+    <p:extLst>
+      <p:ext uri="{BB962C8B-B14F-4D97-AF65-F5344CB8AC3E}">
+        <p14:creationId xmlns:p14="http://schemas.microsoft.com/office/powerpoint/2010/main" val="1456828637"/>
+      </p:ext>
+    </p:extLst>
   </p:cSld>
   <p:clrMap bg1="lt1" tx1="dk1" bg2="dk2" tx2="lt2" accent1="accent1" accent2="accent2" accent3="accent3" accent4="accent4" accent5="accent5" accent6="accent6" hlink="hlink" folHlink="folHlink"/>
   <p:notesStyle>
@@ -993,6 +998,11 @@
         </p:txBody>
       </p:sp>
     </p:spTree>
+    <p:extLst>
+      <p:ext uri="{BB962C8B-B14F-4D97-AF65-F5344CB8AC3E}">
+        <p14:creationId xmlns:p14="http://schemas.microsoft.com/office/powerpoint/2010/main" val="3094292630"/>
+      </p:ext>
+    </p:extLst>
   </p:cSld>
   <p:clrMapOvr>
     <a:masterClrMapping/>
@@ -1119,6 +1129,11 @@
         </p:txBody>
       </p:sp>
     </p:spTree>
+    <p:extLst>
+      <p:ext uri="{BB962C8B-B14F-4D97-AF65-F5344CB8AC3E}">
+        <p14:creationId xmlns:p14="http://schemas.microsoft.com/office/powerpoint/2010/main" val="61046081"/>
+      </p:ext>
+    </p:extLst>
   </p:cSld>
   <p:clrMapOvr>
     <a:masterClrMapping/>
@@ -2035,6 +2050,11 @@
         </p:txBody>
       </p:sp>
     </p:spTree>
+    <p:extLst>
+      <p:ext uri="{BB962C8B-B14F-4D97-AF65-F5344CB8AC3E}">
+        <p14:creationId xmlns:p14="http://schemas.microsoft.com/office/powerpoint/2010/main" val="2147795541"/>
+      </p:ext>
+    </p:extLst>
   </p:cSld>
   <p:clrMapOvr>
     <a:masterClrMapping/>
@@ -21549,7 +21569,7 @@
         <p:fade/>
       </p:transition>
     </mc:Choice>
-    <mc:Fallback xmlns="" xmlns:mv="urn:schemas-microsoft-com:mac:vml" xmlns:c="http://schemas.openxmlformats.org/drawingml/2006/chart" xmlns:dgm="http://schemas.openxmlformats.org/drawingml/2006/diagram" xmlns:o="urn:schemas-microsoft-com:office:office" xmlns:v="urn:schemas-microsoft-com:vml" xmlns:pvml="urn:schemas-microsoft-com:office:powerpoint" xmlns:com="http://schemas.openxmlformats.org/drawingml/2006/compatibility" xmlns:p15="http://schemas.microsoft.com/office/powerpoint/2012/main" xmlns:ahyp="http://schemas.microsoft.com/office/drawing/2018/hyperlinkcolor">
+    <mc:Fallback xmlns:ahyp="http://schemas.microsoft.com/office/drawing/2018/hyperlinkcolor" xmlns:p15="http://schemas.microsoft.com/office/powerpoint/2012/main" xmlns:com="http://schemas.openxmlformats.org/drawingml/2006/compatibility" xmlns:pvml="urn:schemas-microsoft-com:office:powerpoint" xmlns:v="urn:schemas-microsoft-com:vml" xmlns:o="urn:schemas-microsoft-com:office:office" xmlns:dgm="http://schemas.openxmlformats.org/drawingml/2006/diagram" xmlns:c="http://schemas.openxmlformats.org/drawingml/2006/chart" xmlns:mv="urn:schemas-microsoft-com:mac:vml" xmlns="">
       <p:transition spd="slow">
         <p:fade/>
       </p:transition>
@@ -22088,7 +22108,7 @@
           <p:cNvPr id="4" name="Imagem 3">
             <a:extLst>
               <a:ext uri="{FF2B5EF4-FFF2-40B4-BE49-F238E27FC236}">
-                <a16:creationId xmlns:a16="http://schemas.microsoft.com/office/drawing/2014/main" id="{7CBDA6C0-40C9-4A6E-A6EA-87F71FEC9E49}"/>
+                <a16:creationId xmlns:a16="http://schemas.microsoft.com/office/drawing/2014/main" xmlns="" id="{7CBDA6C0-40C9-4A6E-A6EA-87F71FEC9E49}"/>
               </a:ext>
             </a:extLst>
           </p:cNvPr>
@@ -22129,7 +22149,7 @@
         <p:fade/>
       </p:transition>
     </mc:Choice>
-    <mc:Fallback xmlns:ahyp="http://schemas.microsoft.com/office/drawing/2018/hyperlinkcolor" xmlns:p15="http://schemas.microsoft.com/office/powerpoint/2012/main" xmlns:com="http://schemas.openxmlformats.org/drawingml/2006/compatibility" xmlns:pvml="urn:schemas-microsoft-com:office:powerpoint" xmlns:v="urn:schemas-microsoft-com:vml" xmlns:o="urn:schemas-microsoft-com:office:office" xmlns:dgm="http://schemas.openxmlformats.org/drawingml/2006/diagram" xmlns:c="http://schemas.openxmlformats.org/drawingml/2006/chart" xmlns:mv="urn:schemas-microsoft-com:mac:vml" xmlns="">
+    <mc:Fallback xmlns="" xmlns:mv="urn:schemas-microsoft-com:mac:vml" xmlns:c="http://schemas.openxmlformats.org/drawingml/2006/chart" xmlns:dgm="http://schemas.openxmlformats.org/drawingml/2006/diagram" xmlns:o="urn:schemas-microsoft-com:office:office" xmlns:v="urn:schemas-microsoft-com:vml" xmlns:pvml="urn:schemas-microsoft-com:office:powerpoint" xmlns:com="http://schemas.openxmlformats.org/drawingml/2006/compatibility" xmlns:p15="http://schemas.microsoft.com/office/powerpoint/2012/main" xmlns:ahyp="http://schemas.microsoft.com/office/drawing/2018/hyperlinkcolor">
       <p:transition spd="slow">
         <p:fade/>
       </p:transition>
@@ -22310,7 +22330,7 @@
           <p:cNvPr id="5" name="Imagem 4">
             <a:extLst>
               <a:ext uri="{FF2B5EF4-FFF2-40B4-BE49-F238E27FC236}">
-                <a16:creationId xmlns:a16="http://schemas.microsoft.com/office/drawing/2014/main" id="{42132828-D80F-4811-96F0-3E5F40559D4B}"/>
+                <a16:creationId xmlns:a16="http://schemas.microsoft.com/office/drawing/2014/main" xmlns="" id="{42132828-D80F-4811-96F0-3E5F40559D4B}"/>
               </a:ext>
             </a:extLst>
           </p:cNvPr>
@@ -22340,7 +22360,7 @@
           <p:cNvPr id="11" name="CaixaDeTexto 10">
             <a:extLst>
               <a:ext uri="{FF2B5EF4-FFF2-40B4-BE49-F238E27FC236}">
-                <a16:creationId xmlns:a16="http://schemas.microsoft.com/office/drawing/2014/main" id="{880BA323-3898-4640-8B2C-7901D2BF9BC1}"/>
+                <a16:creationId xmlns:a16="http://schemas.microsoft.com/office/drawing/2014/main" xmlns="" id="{880BA323-3898-4640-8B2C-7901D2BF9BC1}"/>
               </a:ext>
             </a:extLst>
           </p:cNvPr>
@@ -22434,6 +22454,67 @@
               <a:latin typeface="Calibri" panose="020F0502020204030204" pitchFamily="34" charset="0"/>
               <a:cs typeface="Calibri" panose="020F0502020204030204" pitchFamily="34" charset="0"/>
             </a:endParaRPr>
+          </a:p>
+        </p:txBody>
+      </p:sp>
+      <p:sp>
+        <p:nvSpPr>
+          <p:cNvPr id="7" name="CaixaDeTexto 6">
+            <a:extLst>
+              <a:ext uri="{FF2B5EF4-FFF2-40B4-BE49-F238E27FC236}">
+                <a16:creationId xmlns:a16="http://schemas.microsoft.com/office/drawing/2014/main" xmlns="" id="{36FB006A-C2F7-4326-896E-5D0F723DB52E}"/>
+              </a:ext>
+            </a:extLst>
+          </p:cNvPr>
+          <p:cNvSpPr txBox="1"/>
+          <p:nvPr/>
+        </p:nvSpPr>
+        <p:spPr>
+          <a:xfrm>
+            <a:off x="10618" y="4800718"/>
+            <a:ext cx="9007652" cy="276999"/>
+          </a:xfrm>
+          <a:prstGeom prst="rect">
+            <a:avLst/>
+          </a:prstGeom>
+          <a:noFill/>
+        </p:spPr>
+        <p:txBody>
+          <a:bodyPr wrap="square" rtlCol="0">
+            <a:spAutoFit/>
+          </a:bodyPr>
+          <a:lstStyle/>
+          <a:p>
+            <a:r>
+              <a:rPr lang="pt-BR" sz="1200" dirty="0">
+                <a:solidFill>
+                  <a:srgbClr val="002060"/>
+                </a:solidFill>
+                <a:latin typeface="Calibri" panose="020F0502020204030204" pitchFamily="34" charset="0"/>
+                <a:cs typeface="Calibri" panose="020F0502020204030204" pitchFamily="34" charset="0"/>
+              </a:rPr>
+              <a:t>Fonte: Livro Lógica de Programação e estrutura de dados, Sandra Purga e Gerson </a:t>
+            </a:r>
+            <a:r>
+              <a:rPr lang="pt-BR" sz="1200" dirty="0" err="1">
+                <a:solidFill>
+                  <a:srgbClr val="002060"/>
+                </a:solidFill>
+                <a:latin typeface="Calibri" panose="020F0502020204030204" pitchFamily="34" charset="0"/>
+                <a:cs typeface="Calibri" panose="020F0502020204030204" pitchFamily="34" charset="0"/>
+              </a:rPr>
+              <a:t>Rissetti</a:t>
+            </a:r>
+            <a:r>
+              <a:rPr lang="pt-BR" sz="1200" dirty="0">
+                <a:solidFill>
+                  <a:srgbClr val="002060"/>
+                </a:solidFill>
+                <a:latin typeface="Calibri" panose="020F0502020204030204" pitchFamily="34" charset="0"/>
+                <a:cs typeface="Calibri" panose="020F0502020204030204" pitchFamily="34" charset="0"/>
+              </a:rPr>
+              <a:t>, 3ª Edição </a:t>
+            </a:r>
           </a:p>
         </p:txBody>
       </p:sp>
@@ -22484,7 +22565,7 @@
           <p:cNvPr id="3" name="Imagem 2">
             <a:extLst>
               <a:ext uri="{FF2B5EF4-FFF2-40B4-BE49-F238E27FC236}">
-                <a16:creationId xmlns:a16="http://schemas.microsoft.com/office/drawing/2014/main" id="{20D89354-B62D-4477-AF71-87A2F1A56D43}"/>
+                <a16:creationId xmlns:a16="http://schemas.microsoft.com/office/drawing/2014/main" xmlns="" id="{20D89354-B62D-4477-AF71-87A2F1A56D43}"/>
               </a:ext>
             </a:extLst>
           </p:cNvPr>
@@ -22664,7 +22745,7 @@
           <p:cNvPr id="6" name="Imagem 5">
             <a:extLst>
               <a:ext uri="{FF2B5EF4-FFF2-40B4-BE49-F238E27FC236}">
-                <a16:creationId xmlns:a16="http://schemas.microsoft.com/office/drawing/2014/main" id="{D43EA2E3-8282-48C4-8AA3-F2F1224335AB}"/>
+                <a16:creationId xmlns:a16="http://schemas.microsoft.com/office/drawing/2014/main" xmlns="" id="{D43EA2E3-8282-48C4-8AA3-F2F1224335AB}"/>
               </a:ext>
             </a:extLst>
           </p:cNvPr>
@@ -22694,7 +22775,7 @@
           <p:cNvPr id="8" name="CaixaDeTexto 7">
             <a:extLst>
               <a:ext uri="{FF2B5EF4-FFF2-40B4-BE49-F238E27FC236}">
-                <a16:creationId xmlns:a16="http://schemas.microsoft.com/office/drawing/2014/main" id="{9B5D7884-78EC-45AD-9804-A12FE0FB0CE7}"/>
+                <a16:creationId xmlns:a16="http://schemas.microsoft.com/office/drawing/2014/main" xmlns="" id="{9B5D7884-78EC-45AD-9804-A12FE0FB0CE7}"/>
               </a:ext>
             </a:extLst>
           </p:cNvPr>
@@ -22734,6 +22815,67 @@
               <a:latin typeface="Calibri" panose="020F0502020204030204" pitchFamily="34" charset="0"/>
               <a:cs typeface="Calibri" panose="020F0502020204030204" pitchFamily="34" charset="0"/>
             </a:endParaRPr>
+          </a:p>
+        </p:txBody>
+      </p:sp>
+      <p:sp>
+        <p:nvSpPr>
+          <p:cNvPr id="9" name="CaixaDeTexto 8">
+            <a:extLst>
+              <a:ext uri="{FF2B5EF4-FFF2-40B4-BE49-F238E27FC236}">
+                <a16:creationId xmlns:a16="http://schemas.microsoft.com/office/drawing/2014/main" xmlns="" id="{36FB006A-C2F7-4326-896E-5D0F723DB52E}"/>
+              </a:ext>
+            </a:extLst>
+          </p:cNvPr>
+          <p:cNvSpPr txBox="1"/>
+          <p:nvPr/>
+        </p:nvSpPr>
+        <p:spPr>
+          <a:xfrm>
+            <a:off x="10618" y="4800718"/>
+            <a:ext cx="9007652" cy="276999"/>
+          </a:xfrm>
+          <a:prstGeom prst="rect">
+            <a:avLst/>
+          </a:prstGeom>
+          <a:noFill/>
+        </p:spPr>
+        <p:txBody>
+          <a:bodyPr wrap="square" rtlCol="0">
+            <a:spAutoFit/>
+          </a:bodyPr>
+          <a:lstStyle/>
+          <a:p>
+            <a:r>
+              <a:rPr lang="pt-BR" sz="1200" dirty="0">
+                <a:solidFill>
+                  <a:srgbClr val="002060"/>
+                </a:solidFill>
+                <a:latin typeface="Calibri" panose="020F0502020204030204" pitchFamily="34" charset="0"/>
+                <a:cs typeface="Calibri" panose="020F0502020204030204" pitchFamily="34" charset="0"/>
+              </a:rPr>
+              <a:t>Fonte: Livro Lógica de Programação e estrutura de dados, Sandra Purga e Gerson </a:t>
+            </a:r>
+            <a:r>
+              <a:rPr lang="pt-BR" sz="1200" dirty="0" err="1">
+                <a:solidFill>
+                  <a:srgbClr val="002060"/>
+                </a:solidFill>
+                <a:latin typeface="Calibri" panose="020F0502020204030204" pitchFamily="34" charset="0"/>
+                <a:cs typeface="Calibri" panose="020F0502020204030204" pitchFamily="34" charset="0"/>
+              </a:rPr>
+              <a:t>Rissetti</a:t>
+            </a:r>
+            <a:r>
+              <a:rPr lang="pt-BR" sz="1200" dirty="0">
+                <a:solidFill>
+                  <a:srgbClr val="002060"/>
+                </a:solidFill>
+                <a:latin typeface="Calibri" panose="020F0502020204030204" pitchFamily="34" charset="0"/>
+                <a:cs typeface="Calibri" panose="020F0502020204030204" pitchFamily="34" charset="0"/>
+              </a:rPr>
+              <a:t>, 3ª Edição </a:t>
+            </a:r>
           </a:p>
         </p:txBody>
       </p:sp>
@@ -22934,7 +23076,7 @@
           <p:cNvPr id="6" name="Imagem 5">
             <a:extLst>
               <a:ext uri="{FF2B5EF4-FFF2-40B4-BE49-F238E27FC236}">
-                <a16:creationId xmlns:a16="http://schemas.microsoft.com/office/drawing/2014/main" id="{D43EA2E3-8282-48C4-8AA3-F2F1224335AB}"/>
+                <a16:creationId xmlns:a16="http://schemas.microsoft.com/office/drawing/2014/main" xmlns="" id="{D43EA2E3-8282-48C4-8AA3-F2F1224335AB}"/>
               </a:ext>
             </a:extLst>
           </p:cNvPr>
@@ -22964,7 +23106,7 @@
           <p:cNvPr id="8" name="CaixaDeTexto 7">
             <a:extLst>
               <a:ext uri="{FF2B5EF4-FFF2-40B4-BE49-F238E27FC236}">
-                <a16:creationId xmlns:a16="http://schemas.microsoft.com/office/drawing/2014/main" id="{9B5D7884-78EC-45AD-9804-A12FE0FB0CE7}"/>
+                <a16:creationId xmlns:a16="http://schemas.microsoft.com/office/drawing/2014/main" xmlns="" id="{9B5D7884-78EC-45AD-9804-A12FE0FB0CE7}"/>
               </a:ext>
             </a:extLst>
           </p:cNvPr>
@@ -23005,7 +23147,7 @@
           <p:cNvPr id="9" name="Imagem 8">
             <a:extLst>
               <a:ext uri="{FF2B5EF4-FFF2-40B4-BE49-F238E27FC236}">
-                <a16:creationId xmlns:a16="http://schemas.microsoft.com/office/drawing/2014/main" id="{DD33F55A-1221-4160-8054-768F08BC2335}"/>
+                <a16:creationId xmlns:a16="http://schemas.microsoft.com/office/drawing/2014/main" xmlns="" id="{DD33F55A-1221-4160-8054-768F08BC2335}"/>
               </a:ext>
             </a:extLst>
           </p:cNvPr>
@@ -23035,7 +23177,7 @@
           <p:cNvPr id="10" name="CaixaDeTexto 9">
             <a:extLst>
               <a:ext uri="{FF2B5EF4-FFF2-40B4-BE49-F238E27FC236}">
-                <a16:creationId xmlns:a16="http://schemas.microsoft.com/office/drawing/2014/main" id="{75B3EF17-41B4-42C6-96E9-AA28DD5BBA84}"/>
+                <a16:creationId xmlns:a16="http://schemas.microsoft.com/office/drawing/2014/main" xmlns="" id="{75B3EF17-41B4-42C6-96E9-AA28DD5BBA84}"/>
               </a:ext>
             </a:extLst>
           </p:cNvPr>
@@ -23076,7 +23218,7 @@
           <p:cNvPr id="11" name="CaixaDeTexto 10">
             <a:extLst>
               <a:ext uri="{FF2B5EF4-FFF2-40B4-BE49-F238E27FC236}">
-                <a16:creationId xmlns:a16="http://schemas.microsoft.com/office/drawing/2014/main" id="{4156AB47-ACA2-445D-B4CC-53911116583E}"/>
+                <a16:creationId xmlns:a16="http://schemas.microsoft.com/office/drawing/2014/main" xmlns="" id="{4156AB47-ACA2-445D-B4CC-53911116583E}"/>
               </a:ext>
             </a:extLst>
           </p:cNvPr>
@@ -23117,7 +23259,7 @@
           <p:cNvPr id="12" name="CaixaDeTexto 11">
             <a:extLst>
               <a:ext uri="{FF2B5EF4-FFF2-40B4-BE49-F238E27FC236}">
-                <a16:creationId xmlns:a16="http://schemas.microsoft.com/office/drawing/2014/main" id="{026DAB4C-78EA-4CB9-8464-C17DB82AAFD4}"/>
+                <a16:creationId xmlns:a16="http://schemas.microsoft.com/office/drawing/2014/main" xmlns="" id="{026DAB4C-78EA-4CB9-8464-C17DB82AAFD4}"/>
               </a:ext>
             </a:extLst>
           </p:cNvPr>
@@ -23183,7 +23325,7 @@
           <p:cNvPr id="13" name="CaixaDeTexto 12">
             <a:extLst>
               <a:ext uri="{FF2B5EF4-FFF2-40B4-BE49-F238E27FC236}">
-                <a16:creationId xmlns:a16="http://schemas.microsoft.com/office/drawing/2014/main" id="{3695E71F-9847-4FAA-BDDC-E73EA4C98140}"/>
+                <a16:creationId xmlns:a16="http://schemas.microsoft.com/office/drawing/2014/main" xmlns="" id="{3695E71F-9847-4FAA-BDDC-E73EA4C98140}"/>
               </a:ext>
             </a:extLst>
           </p:cNvPr>
@@ -23249,7 +23391,7 @@
           <p:cNvPr id="14" name="CaixaDeTexto 13">
             <a:extLst>
               <a:ext uri="{FF2B5EF4-FFF2-40B4-BE49-F238E27FC236}">
-                <a16:creationId xmlns:a16="http://schemas.microsoft.com/office/drawing/2014/main" id="{C193D9A2-D3B8-4B6E-86F4-882AD98B1BF2}"/>
+                <a16:creationId xmlns:a16="http://schemas.microsoft.com/office/drawing/2014/main" xmlns="" id="{C193D9A2-D3B8-4B6E-86F4-882AD98B1BF2}"/>
               </a:ext>
             </a:extLst>
           </p:cNvPr>
@@ -23495,7 +23637,7 @@
           <p:cNvPr id="4" name="Imagem 3">
             <a:extLst>
               <a:ext uri="{FF2B5EF4-FFF2-40B4-BE49-F238E27FC236}">
-                <a16:creationId xmlns:a16="http://schemas.microsoft.com/office/drawing/2014/main" id="{142F5BEA-8394-4BB0-9A00-547916C4DA83}"/>
+                <a16:creationId xmlns:a16="http://schemas.microsoft.com/office/drawing/2014/main" xmlns="" id="{142F5BEA-8394-4BB0-9A00-547916C4DA83}"/>
               </a:ext>
             </a:extLst>
           </p:cNvPr>
@@ -23525,7 +23667,7 @@
           <p:cNvPr id="6" name="Imagem 5">
             <a:extLst>
               <a:ext uri="{FF2B5EF4-FFF2-40B4-BE49-F238E27FC236}">
-                <a16:creationId xmlns:a16="http://schemas.microsoft.com/office/drawing/2014/main" id="{D43EA2E3-8282-48C4-8AA3-F2F1224335AB}"/>
+                <a16:creationId xmlns:a16="http://schemas.microsoft.com/office/drawing/2014/main" xmlns="" id="{D43EA2E3-8282-48C4-8AA3-F2F1224335AB}"/>
               </a:ext>
             </a:extLst>
           </p:cNvPr>
@@ -23555,7 +23697,7 @@
           <p:cNvPr id="8" name="CaixaDeTexto 7">
             <a:extLst>
               <a:ext uri="{FF2B5EF4-FFF2-40B4-BE49-F238E27FC236}">
-                <a16:creationId xmlns:a16="http://schemas.microsoft.com/office/drawing/2014/main" id="{9B5D7884-78EC-45AD-9804-A12FE0FB0CE7}"/>
+                <a16:creationId xmlns:a16="http://schemas.microsoft.com/office/drawing/2014/main" xmlns="" id="{9B5D7884-78EC-45AD-9804-A12FE0FB0CE7}"/>
               </a:ext>
             </a:extLst>
           </p:cNvPr>
@@ -23603,7 +23745,7 @@
           <p:cNvPr id="5" name="Seta: para Baixo 4">
             <a:extLst>
               <a:ext uri="{FF2B5EF4-FFF2-40B4-BE49-F238E27FC236}">
-                <a16:creationId xmlns:a16="http://schemas.microsoft.com/office/drawing/2014/main" id="{CB6558F6-CCC0-4B88-948D-94FB3AC99AF9}"/>
+                <a16:creationId xmlns:a16="http://schemas.microsoft.com/office/drawing/2014/main" xmlns="" id="{CB6558F6-CCC0-4B88-948D-94FB3AC99AF9}"/>
               </a:ext>
             </a:extLst>
           </p:cNvPr>
@@ -23886,7 +24028,7 @@
           <p:cNvPr id="9" name="Imagem 8">
             <a:extLst>
               <a:ext uri="{FF2B5EF4-FFF2-40B4-BE49-F238E27FC236}">
-                <a16:creationId xmlns:a16="http://schemas.microsoft.com/office/drawing/2014/main" id="{EDF2E616-3D10-4A3F-8266-047ADF7B4048}"/>
+                <a16:creationId xmlns:a16="http://schemas.microsoft.com/office/drawing/2014/main" xmlns="" id="{EDF2E616-3D10-4A3F-8266-047ADF7B4048}"/>
               </a:ext>
             </a:extLst>
           </p:cNvPr>
@@ -23916,7 +24058,7 @@
           <p:cNvPr id="15" name="Imagem 14">
             <a:extLst>
               <a:ext uri="{FF2B5EF4-FFF2-40B4-BE49-F238E27FC236}">
-                <a16:creationId xmlns:a16="http://schemas.microsoft.com/office/drawing/2014/main" id="{9DDBED56-ACBB-48DF-9794-D543DC6D7CB2}"/>
+                <a16:creationId xmlns:a16="http://schemas.microsoft.com/office/drawing/2014/main" xmlns="" id="{9DDBED56-ACBB-48DF-9794-D543DC6D7CB2}"/>
               </a:ext>
             </a:extLst>
           </p:cNvPr>
@@ -24759,7 +24901,7 @@
                 <a:hlinkClick r:id="rId4">
                   <a:extLst>
                     <a:ext uri="{A12FA001-AC4F-418D-AE19-62706E023703}">
-                      <ahyp:hlinkClr xmlns:ahyp="http://schemas.microsoft.com/office/drawing/2018/hyperlinkcolor" val="tx"/>
+                      <ahyp:hlinkClr xmlns:ahyp="http://schemas.microsoft.com/office/drawing/2018/hyperlinkcolor" xmlns="" val="tx"/>
                     </a:ext>
                   </a:extLst>
                 </a:hlinkClick>
@@ -24783,7 +24925,7 @@
           <p:cNvPr id="14" name="Imagem 13">
             <a:extLst>
               <a:ext uri="{FF2B5EF4-FFF2-40B4-BE49-F238E27FC236}">
-                <a16:creationId xmlns:a16="http://schemas.microsoft.com/office/drawing/2014/main" id="{75728100-D2C6-4D0B-BE34-B066BE471AF3}"/>
+                <a16:creationId xmlns:a16="http://schemas.microsoft.com/office/drawing/2014/main" xmlns="" id="{75728100-D2C6-4D0B-BE34-B066BE471AF3}"/>
               </a:ext>
             </a:extLst>
           </p:cNvPr>
@@ -24819,7 +24961,7 @@
         <p:fade/>
       </p:transition>
     </mc:Choice>
-    <mc:Fallback xmlns:ahyp="http://schemas.microsoft.com/office/drawing/2018/hyperlinkcolor" xmlns:p15="http://schemas.microsoft.com/office/powerpoint/2012/main" xmlns:com="http://schemas.openxmlformats.org/drawingml/2006/compatibility" xmlns:pvml="urn:schemas-microsoft-com:office:powerpoint" xmlns:v="urn:schemas-microsoft-com:vml" xmlns:o="urn:schemas-microsoft-com:office:office" xmlns:dgm="http://schemas.openxmlformats.org/drawingml/2006/diagram" xmlns:c="http://schemas.openxmlformats.org/drawingml/2006/chart" xmlns:mv="urn:schemas-microsoft-com:mac:vml" xmlns="">
+    <mc:Fallback xmlns="" xmlns:mv="urn:schemas-microsoft-com:mac:vml" xmlns:c="http://schemas.openxmlformats.org/drawingml/2006/chart" xmlns:dgm="http://schemas.openxmlformats.org/drawingml/2006/diagram" xmlns:o="urn:schemas-microsoft-com:office:office" xmlns:v="urn:schemas-microsoft-com:vml" xmlns:pvml="urn:schemas-microsoft-com:office:powerpoint" xmlns:com="http://schemas.openxmlformats.org/drawingml/2006/compatibility" xmlns:p15="http://schemas.microsoft.com/office/powerpoint/2012/main" xmlns:ahyp="http://schemas.microsoft.com/office/drawing/2018/hyperlinkcolor">
       <p:transition spd="slow">
         <p:fade/>
       </p:transition>
